--- a/2023-FALL/Week02.pptx
+++ b/2023-FALL/Week02.pptx
@@ -280,7 +280,7 @@
           <a:p>
             <a:fld id="{2B1919C7-6BC3-4736-AC32-A62C7B81C82C}" type="datetimeFigureOut">
               <a:rPr lang="en-US" smtClean="0"/>
-              <a:t>8/30/2023</a:t>
+              <a:t>8/31/2023</a:t>
             </a:fld>
             <a:endParaRPr lang="en-US"/>
           </a:p>
@@ -478,7 +478,7 @@
           <a:p>
             <a:fld id="{2B1919C7-6BC3-4736-AC32-A62C7B81C82C}" type="datetimeFigureOut">
               <a:rPr lang="en-US" smtClean="0"/>
-              <a:t>8/30/2023</a:t>
+              <a:t>8/31/2023</a:t>
             </a:fld>
             <a:endParaRPr lang="en-US"/>
           </a:p>
@@ -686,7 +686,7 @@
           <a:p>
             <a:fld id="{2B1919C7-6BC3-4736-AC32-A62C7B81C82C}" type="datetimeFigureOut">
               <a:rPr lang="en-US" smtClean="0"/>
-              <a:t>8/30/2023</a:t>
+              <a:t>8/31/2023</a:t>
             </a:fld>
             <a:endParaRPr lang="en-US"/>
           </a:p>
@@ -884,7 +884,7 @@
           <a:p>
             <a:fld id="{2B1919C7-6BC3-4736-AC32-A62C7B81C82C}" type="datetimeFigureOut">
               <a:rPr lang="en-US" smtClean="0"/>
-              <a:t>8/30/2023</a:t>
+              <a:t>8/31/2023</a:t>
             </a:fld>
             <a:endParaRPr lang="en-US"/>
           </a:p>
@@ -1159,7 +1159,7 @@
           <a:p>
             <a:fld id="{2B1919C7-6BC3-4736-AC32-A62C7B81C82C}" type="datetimeFigureOut">
               <a:rPr lang="en-US" smtClean="0"/>
-              <a:t>8/30/2023</a:t>
+              <a:t>8/31/2023</a:t>
             </a:fld>
             <a:endParaRPr lang="en-US"/>
           </a:p>
@@ -1424,7 +1424,7 @@
           <a:p>
             <a:fld id="{2B1919C7-6BC3-4736-AC32-A62C7B81C82C}" type="datetimeFigureOut">
               <a:rPr lang="en-US" smtClean="0"/>
-              <a:t>8/30/2023</a:t>
+              <a:t>8/31/2023</a:t>
             </a:fld>
             <a:endParaRPr lang="en-US"/>
           </a:p>
@@ -1836,7 +1836,7 @@
           <a:p>
             <a:fld id="{2B1919C7-6BC3-4736-AC32-A62C7B81C82C}" type="datetimeFigureOut">
               <a:rPr lang="en-US" smtClean="0"/>
-              <a:t>8/30/2023</a:t>
+              <a:t>8/31/2023</a:t>
             </a:fld>
             <a:endParaRPr lang="en-US"/>
           </a:p>
@@ -1977,7 +1977,7 @@
           <a:p>
             <a:fld id="{2B1919C7-6BC3-4736-AC32-A62C7B81C82C}" type="datetimeFigureOut">
               <a:rPr lang="en-US" smtClean="0"/>
-              <a:t>8/30/2023</a:t>
+              <a:t>8/31/2023</a:t>
             </a:fld>
             <a:endParaRPr lang="en-US"/>
           </a:p>
@@ -2090,7 +2090,7 @@
           <a:p>
             <a:fld id="{2B1919C7-6BC3-4736-AC32-A62C7B81C82C}" type="datetimeFigureOut">
               <a:rPr lang="en-US" smtClean="0"/>
-              <a:t>8/30/2023</a:t>
+              <a:t>8/31/2023</a:t>
             </a:fld>
             <a:endParaRPr lang="en-US"/>
           </a:p>
@@ -2401,7 +2401,7 @@
           <a:p>
             <a:fld id="{2B1919C7-6BC3-4736-AC32-A62C7B81C82C}" type="datetimeFigureOut">
               <a:rPr lang="en-US" smtClean="0"/>
-              <a:t>8/30/2023</a:t>
+              <a:t>8/31/2023</a:t>
             </a:fld>
             <a:endParaRPr lang="en-US"/>
           </a:p>
@@ -2689,7 +2689,7 @@
           <a:p>
             <a:fld id="{2B1919C7-6BC3-4736-AC32-A62C7B81C82C}" type="datetimeFigureOut">
               <a:rPr lang="en-US" smtClean="0"/>
-              <a:t>8/30/2023</a:t>
+              <a:t>8/31/2023</a:t>
             </a:fld>
             <a:endParaRPr lang="en-US"/>
           </a:p>
@@ -2930,7 +2930,7 @@
           <a:p>
             <a:fld id="{2B1919C7-6BC3-4736-AC32-A62C7B81C82C}" type="datetimeFigureOut">
               <a:rPr lang="en-US" smtClean="0"/>
-              <a:t>8/30/2023</a:t>
+              <a:t>8/31/2023</a:t>
             </a:fld>
             <a:endParaRPr lang="en-US"/>
           </a:p>
@@ -3638,7 +3638,7 @@
         <p:spPr/>
         <p:txBody>
           <a:bodyPr>
-            <a:normAutofit fontScale="92500" lnSpcReduction="20000"/>
+            <a:normAutofit lnSpcReduction="10000"/>
           </a:bodyPr>
           <a:lstStyle/>
           <a:p>
@@ -3701,13 +3701,6 @@
             <a:pPr lvl="1"/>
             <a:r>
               <a:rPr lang="en-US" dirty="0"/>
-              <a:t>VS2019 .NET 5.0: 5.0.13</a:t>
-            </a:r>
-          </a:p>
-          <a:p>
-            <a:pPr lvl="1"/>
-            <a:r>
-              <a:rPr lang="en-US" dirty="0"/>
               <a:t>VS2022 .NET 6.0: 6.0.3</a:t>
             </a:r>
           </a:p>
@@ -3734,15 +3727,12 @@
           <a:p>
             <a:pPr lvl="1"/>
             <a:r>
-              <a:rPr lang="en-US" dirty="0"/>
-              <a:t>VS2019 .NET 5.0: 5.0.13</a:t>
-            </a:r>
-          </a:p>
-          <a:p>
-            <a:pPr lvl="1"/>
-            <a:r>
-              <a:rPr lang="en-US" dirty="0"/>
-              <a:t>VS2022 .NET 6.0: 6.0.3</a:t>
+              <a:rPr lang="en-US"/>
+              <a:t>VS2022 </a:t>
+            </a:r>
+            <a:r>
+              <a:rPr lang="en-US" dirty="0"/>
+              <a:t>.NET 6.0: 6.0.3</a:t>
             </a:r>
           </a:p>
           <a:p>
@@ -6033,7 +6023,7 @@
           <a:p>
             <a:r>
               <a:rPr lang="en-US" dirty="0"/>
-              <a:t>Runtime Stack: .NET 5 (or 6)</a:t>
+              <a:t>Runtime Stack: .NET 6 (or 7)</a:t>
             </a:r>
           </a:p>
           <a:p>
